--- a/doc-img/doc_img.pptx
+++ b/doc-img/doc_img.pptx
@@ -6,6 +6,8 @@
   </p:sldMasterIdLst>
   <p:sldIdLst>
     <p:sldId id="256" r:id="rId2"/>
+    <p:sldId id="257" r:id="rId3"/>
+    <p:sldId id="258" r:id="rId4"/>
   </p:sldIdLst>
   <p:sldSz cx="12192000" cy="6858000"/>
   <p:notesSz cx="6858000" cy="9144000"/>
@@ -104,6 +106,11 @@
       </a:defRPr>
     </a:lvl9pPr>
   </p:defaultTextStyle>
+  <p:extLst>
+    <p:ext uri="{EFAFB233-063F-42B5-8137-9DF3F51BA10A}">
+      <p15:sldGuideLst xmlns:p15="http://schemas.microsoft.com/office/powerpoint/2012/main"/>
+    </p:ext>
+  </p:extLst>
 </p:presentation>
 </file>
 
@@ -3859,6 +3866,880 @@
 </p:sld>
 </file>
 
+<file path=ppt/slides/slide2.xml><?xml version="1.0" encoding="utf-8"?>
+<p:sld xmlns:a="http://schemas.openxmlformats.org/drawingml/2006/main" xmlns:r="http://schemas.openxmlformats.org/officeDocument/2006/relationships" xmlns:p="http://schemas.openxmlformats.org/presentationml/2006/main">
+  <p:cSld>
+    <p:spTree>
+      <p:nvGrpSpPr>
+        <p:cNvPr id="1" name=""/>
+        <p:cNvGrpSpPr/>
+        <p:nvPr/>
+      </p:nvGrpSpPr>
+      <p:grpSpPr>
+        <a:xfrm>
+          <a:off x="0" y="0"/>
+          <a:ext cx="0" cy="0"/>
+          <a:chOff x="0" y="0"/>
+          <a:chExt cx="0" cy="0"/>
+        </a:xfrm>
+      </p:grpSpPr>
+      <p:pic>
+        <p:nvPicPr>
+          <p:cNvPr id="4" name="Imagen 3"/>
+          <p:cNvPicPr>
+            <a:picLocks noChangeAspect="1"/>
+          </p:cNvPicPr>
+          <p:nvPr/>
+        </p:nvPicPr>
+        <p:blipFill>
+          <a:blip r:embed="rId2"/>
+          <a:stretch>
+            <a:fillRect/>
+          </a:stretch>
+        </p:blipFill>
+        <p:spPr>
+          <a:xfrm>
+            <a:off x="94877" y="786566"/>
+            <a:ext cx="12192000" cy="5249008"/>
+          </a:xfrm>
+          <a:prstGeom prst="rect">
+            <a:avLst/>
+          </a:prstGeom>
+        </p:spPr>
+      </p:pic>
+      <p:pic>
+        <p:nvPicPr>
+          <p:cNvPr id="29" name="Imagen 28"/>
+          <p:cNvPicPr>
+            <a:picLocks noChangeAspect="1"/>
+          </p:cNvPicPr>
+          <p:nvPr/>
+        </p:nvPicPr>
+        <p:blipFill>
+          <a:blip r:embed="rId3"/>
+          <a:stretch>
+            <a:fillRect/>
+          </a:stretch>
+        </p:blipFill>
+        <p:spPr>
+          <a:xfrm>
+            <a:off x="2106052" y="2119121"/>
+            <a:ext cx="8030696" cy="2734057"/>
+          </a:xfrm>
+          <a:prstGeom prst="rect">
+            <a:avLst/>
+          </a:prstGeom>
+        </p:spPr>
+      </p:pic>
+      <p:sp>
+        <p:nvSpPr>
+          <p:cNvPr id="7" name="CuadroTexto 6"/>
+          <p:cNvSpPr txBox="1"/>
+          <p:nvPr/>
+        </p:nvSpPr>
+        <p:spPr>
+          <a:xfrm>
+            <a:off x="444627" y="4592137"/>
+            <a:ext cx="2559868" cy="369332"/>
+          </a:xfrm>
+          <a:prstGeom prst="rect">
+            <a:avLst/>
+          </a:prstGeom>
+          <a:noFill/>
+          <a:ln>
+            <a:solidFill>
+              <a:srgbClr val="FF0000"/>
+            </a:solidFill>
+          </a:ln>
+        </p:spPr>
+        <p:txBody>
+          <a:bodyPr wrap="none" rtlCol="0">
+            <a:spAutoFit/>
+          </a:bodyPr>
+          <a:lstStyle/>
+          <a:p>
+            <a:r>
+              <a:rPr lang="es-ES" dirty="0" smtClean="0">
+                <a:solidFill>
+                  <a:schemeClr val="bg1"/>
+                </a:solidFill>
+              </a:rPr>
+              <a:t>Iterated Expression </a:t>
+            </a:r>
+            <a:r>
+              <a:rPr lang="es-ES" dirty="0" smtClean="0">
+                <a:solidFill>
+                  <a:schemeClr val="bg1"/>
+                </a:solidFill>
+              </a:rPr>
+              <a:t>Begin</a:t>
+            </a:r>
+            <a:endParaRPr lang="es-CL" dirty="0">
+              <a:solidFill>
+                <a:schemeClr val="bg1"/>
+              </a:solidFill>
+            </a:endParaRPr>
+          </a:p>
+        </p:txBody>
+      </p:sp>
+      <p:sp>
+        <p:nvSpPr>
+          <p:cNvPr id="8" name="Llamada rectangular 7"/>
+          <p:cNvSpPr/>
+          <p:nvPr/>
+        </p:nvSpPr>
+        <p:spPr>
+          <a:xfrm rot="10800000">
+            <a:off x="2418228" y="3992481"/>
+            <a:ext cx="471021" cy="349444"/>
+          </a:xfrm>
+          <a:prstGeom prst="wedgeRectCallout">
+            <a:avLst>
+              <a:gd name="adj1" fmla="val 17211"/>
+              <a:gd name="adj2" fmla="val -110300"/>
+            </a:avLst>
+          </a:prstGeom>
+          <a:noFill/>
+          <a:ln>
+            <a:solidFill>
+              <a:srgbClr val="FF0000"/>
+            </a:solidFill>
+          </a:ln>
+        </p:spPr>
+        <p:style>
+          <a:lnRef idx="2">
+            <a:schemeClr val="accent1">
+              <a:shade val="50000"/>
+            </a:schemeClr>
+          </a:lnRef>
+          <a:fillRef idx="1">
+            <a:schemeClr val="accent1"/>
+          </a:fillRef>
+          <a:effectRef idx="0">
+            <a:schemeClr val="accent1"/>
+          </a:effectRef>
+          <a:fontRef idx="minor">
+            <a:schemeClr val="lt1"/>
+          </a:fontRef>
+        </p:style>
+        <p:txBody>
+          <a:bodyPr rtlCol="0" anchor="ctr"/>
+          <a:lstStyle/>
+          <a:p>
+            <a:pPr algn="ctr"/>
+            <a:endParaRPr lang="es-CL" dirty="0"/>
+          </a:p>
+        </p:txBody>
+      </p:sp>
+      <p:sp>
+        <p:nvSpPr>
+          <p:cNvPr id="9" name="Llamada rectangular 8"/>
+          <p:cNvSpPr/>
+          <p:nvPr/>
+        </p:nvSpPr>
+        <p:spPr>
+          <a:xfrm rot="10800000">
+            <a:off x="2901334" y="3992481"/>
+            <a:ext cx="3035915" cy="349444"/>
+          </a:xfrm>
+          <a:prstGeom prst="wedgeRectCallout">
+            <a:avLst>
+              <a:gd name="adj1" fmla="val 17211"/>
+              <a:gd name="adj2" fmla="val -110300"/>
+            </a:avLst>
+          </a:prstGeom>
+          <a:noFill/>
+          <a:ln>
+            <a:solidFill>
+              <a:srgbClr val="FF0000"/>
+            </a:solidFill>
+          </a:ln>
+        </p:spPr>
+        <p:style>
+          <a:lnRef idx="2">
+            <a:schemeClr val="accent1">
+              <a:shade val="50000"/>
+            </a:schemeClr>
+          </a:lnRef>
+          <a:fillRef idx="1">
+            <a:schemeClr val="accent1"/>
+          </a:fillRef>
+          <a:effectRef idx="0">
+            <a:schemeClr val="accent1"/>
+          </a:effectRef>
+          <a:fontRef idx="minor">
+            <a:schemeClr val="lt1"/>
+          </a:fontRef>
+        </p:style>
+        <p:txBody>
+          <a:bodyPr rtlCol="0" anchor="ctr"/>
+          <a:lstStyle/>
+          <a:p>
+            <a:pPr algn="ctr"/>
+            <a:endParaRPr lang="es-CL" dirty="0"/>
+          </a:p>
+        </p:txBody>
+      </p:sp>
+      <p:sp>
+        <p:nvSpPr>
+          <p:cNvPr id="10" name="Llamada rectangular 9"/>
+          <p:cNvSpPr/>
+          <p:nvPr/>
+        </p:nvSpPr>
+        <p:spPr>
+          <a:xfrm rot="10800000">
+            <a:off x="5949332" y="3992481"/>
+            <a:ext cx="165716" cy="349444"/>
+          </a:xfrm>
+          <a:prstGeom prst="wedgeRectCallout">
+            <a:avLst>
+              <a:gd name="adj1" fmla="val 17211"/>
+              <a:gd name="adj2" fmla="val -110300"/>
+            </a:avLst>
+          </a:prstGeom>
+          <a:noFill/>
+          <a:ln>
+            <a:solidFill>
+              <a:srgbClr val="FF0000"/>
+            </a:solidFill>
+          </a:ln>
+        </p:spPr>
+        <p:style>
+          <a:lnRef idx="2">
+            <a:schemeClr val="accent1">
+              <a:shade val="50000"/>
+            </a:schemeClr>
+          </a:lnRef>
+          <a:fillRef idx="1">
+            <a:schemeClr val="accent1"/>
+          </a:fillRef>
+          <a:effectRef idx="0">
+            <a:schemeClr val="accent1"/>
+          </a:effectRef>
+          <a:fontRef idx="minor">
+            <a:schemeClr val="lt1"/>
+          </a:fontRef>
+        </p:style>
+        <p:txBody>
+          <a:bodyPr rtlCol="0" anchor="ctr"/>
+          <a:lstStyle/>
+          <a:p>
+            <a:pPr algn="ctr"/>
+            <a:endParaRPr lang="es-CL" dirty="0"/>
+          </a:p>
+        </p:txBody>
+      </p:sp>
+      <p:sp>
+        <p:nvSpPr>
+          <p:cNvPr id="11" name="CuadroTexto 10"/>
+          <p:cNvSpPr txBox="1"/>
+          <p:nvPr/>
+        </p:nvSpPr>
+        <p:spPr>
+          <a:xfrm>
+            <a:off x="3111627" y="4592137"/>
+            <a:ext cx="2263377" cy="369332"/>
+          </a:xfrm>
+          <a:prstGeom prst="rect">
+            <a:avLst/>
+          </a:prstGeom>
+          <a:noFill/>
+          <a:ln>
+            <a:solidFill>
+              <a:srgbClr val="FF0000"/>
+            </a:solidFill>
+          </a:ln>
+        </p:spPr>
+        <p:txBody>
+          <a:bodyPr wrap="none" rtlCol="0">
+            <a:spAutoFit/>
+          </a:bodyPr>
+          <a:lstStyle/>
+          <a:p>
+            <a:r>
+              <a:rPr lang="es-ES" dirty="0" smtClean="0">
+                <a:solidFill>
+                  <a:schemeClr val="bg1"/>
+                </a:solidFill>
+              </a:rPr>
+              <a:t>Declared Iteration Key</a:t>
+            </a:r>
+            <a:endParaRPr lang="es-CL" dirty="0">
+              <a:solidFill>
+                <a:schemeClr val="bg1"/>
+              </a:solidFill>
+            </a:endParaRPr>
+          </a:p>
+        </p:txBody>
+      </p:sp>
+      <p:sp>
+        <p:nvSpPr>
+          <p:cNvPr id="14" name="CuadroTexto 13"/>
+          <p:cNvSpPr txBox="1"/>
+          <p:nvPr/>
+        </p:nvSpPr>
+        <p:spPr>
+          <a:xfrm>
+            <a:off x="5448427" y="4592137"/>
+            <a:ext cx="2391552" cy="369332"/>
+          </a:xfrm>
+          <a:prstGeom prst="rect">
+            <a:avLst/>
+          </a:prstGeom>
+          <a:noFill/>
+          <a:ln>
+            <a:solidFill>
+              <a:srgbClr val="FF0000"/>
+            </a:solidFill>
+          </a:ln>
+        </p:spPr>
+        <p:txBody>
+          <a:bodyPr wrap="none" rtlCol="0">
+            <a:spAutoFit/>
+          </a:bodyPr>
+          <a:lstStyle/>
+          <a:p>
+            <a:r>
+              <a:rPr lang="es-ES" dirty="0" smtClean="0">
+                <a:solidFill>
+                  <a:schemeClr val="bg1"/>
+                </a:solidFill>
+              </a:rPr>
+              <a:t>Iterated Expression End</a:t>
+            </a:r>
+            <a:endParaRPr lang="es-CL" dirty="0">
+              <a:solidFill>
+                <a:schemeClr val="bg1"/>
+              </a:solidFill>
+            </a:endParaRPr>
+          </a:p>
+        </p:txBody>
+      </p:sp>
+      <p:sp>
+        <p:nvSpPr>
+          <p:cNvPr id="15" name="CuadroTexto 14"/>
+          <p:cNvSpPr txBox="1"/>
+          <p:nvPr/>
+        </p:nvSpPr>
+        <p:spPr>
+          <a:xfrm>
+            <a:off x="1143126" y="3094548"/>
+            <a:ext cx="2453364" cy="369332"/>
+          </a:xfrm>
+          <a:prstGeom prst="rect">
+            <a:avLst/>
+          </a:prstGeom>
+          <a:noFill/>
+          <a:ln>
+            <a:solidFill>
+              <a:srgbClr val="FF0000"/>
+            </a:solidFill>
+          </a:ln>
+        </p:spPr>
+        <p:txBody>
+          <a:bodyPr wrap="none" rtlCol="0">
+            <a:spAutoFit/>
+          </a:bodyPr>
+          <a:lstStyle/>
+          <a:p>
+            <a:r>
+              <a:rPr lang="es-ES" dirty="0" smtClean="0">
+                <a:solidFill>
+                  <a:schemeClr val="bg1"/>
+                </a:solidFill>
+              </a:rPr>
+              <a:t>Declared Iteration Begin</a:t>
+            </a:r>
+            <a:endParaRPr lang="es-CL" dirty="0">
+              <a:solidFill>
+                <a:schemeClr val="bg1"/>
+              </a:solidFill>
+            </a:endParaRPr>
+          </a:p>
+        </p:txBody>
+      </p:sp>
+      <p:sp>
+        <p:nvSpPr>
+          <p:cNvPr id="16" name="Llamada rectangular 15"/>
+          <p:cNvSpPr/>
+          <p:nvPr/>
+        </p:nvSpPr>
+        <p:spPr>
+          <a:xfrm rot="10800000">
+            <a:off x="2418226" y="2494892"/>
+            <a:ext cx="1690223" cy="349444"/>
+          </a:xfrm>
+          <a:prstGeom prst="wedgeRectCallout">
+            <a:avLst>
+              <a:gd name="adj1" fmla="val 47266"/>
+              <a:gd name="adj2" fmla="val -110300"/>
+            </a:avLst>
+          </a:prstGeom>
+          <a:noFill/>
+          <a:ln>
+            <a:solidFill>
+              <a:srgbClr val="FF0000"/>
+            </a:solidFill>
+          </a:ln>
+        </p:spPr>
+        <p:style>
+          <a:lnRef idx="2">
+            <a:schemeClr val="accent1">
+              <a:shade val="50000"/>
+            </a:schemeClr>
+          </a:lnRef>
+          <a:fillRef idx="1">
+            <a:schemeClr val="accent1"/>
+          </a:fillRef>
+          <a:effectRef idx="0">
+            <a:schemeClr val="accent1"/>
+          </a:effectRef>
+          <a:fontRef idx="minor">
+            <a:schemeClr val="lt1"/>
+          </a:fontRef>
+        </p:style>
+        <p:txBody>
+          <a:bodyPr rtlCol="0" anchor="ctr"/>
+          <a:lstStyle/>
+          <a:p>
+            <a:pPr algn="ctr"/>
+            <a:endParaRPr lang="es-CL" dirty="0"/>
+          </a:p>
+        </p:txBody>
+      </p:sp>
+      <p:sp>
+        <p:nvSpPr>
+          <p:cNvPr id="20" name="CuadroTexto 19"/>
+          <p:cNvSpPr txBox="1"/>
+          <p:nvPr/>
+        </p:nvSpPr>
+        <p:spPr>
+          <a:xfrm>
+            <a:off x="4546726" y="3094548"/>
+            <a:ext cx="1376724" cy="369332"/>
+          </a:xfrm>
+          <a:prstGeom prst="rect">
+            <a:avLst/>
+          </a:prstGeom>
+          <a:noFill/>
+          <a:ln>
+            <a:solidFill>
+              <a:srgbClr val="FF0000"/>
+            </a:solidFill>
+          </a:ln>
+        </p:spPr>
+        <p:txBody>
+          <a:bodyPr wrap="none" rtlCol="0">
+            <a:spAutoFit/>
+          </a:bodyPr>
+          <a:lstStyle/>
+          <a:p>
+            <a:r>
+              <a:rPr lang="es-ES" dirty="0" smtClean="0">
+                <a:solidFill>
+                  <a:schemeClr val="bg1"/>
+                </a:solidFill>
+              </a:rPr>
+              <a:t>Iteration Key</a:t>
+            </a:r>
+            <a:endParaRPr lang="es-CL" dirty="0">
+              <a:solidFill>
+                <a:schemeClr val="bg1"/>
+              </a:solidFill>
+            </a:endParaRPr>
+          </a:p>
+        </p:txBody>
+      </p:sp>
+      <p:sp>
+        <p:nvSpPr>
+          <p:cNvPr id="21" name="Llamada rectangular 20"/>
+          <p:cNvSpPr/>
+          <p:nvPr/>
+        </p:nvSpPr>
+        <p:spPr>
+          <a:xfrm rot="10800000">
+            <a:off x="4108448" y="2494892"/>
+            <a:ext cx="3041652" cy="349444"/>
+          </a:xfrm>
+          <a:prstGeom prst="wedgeRectCallout">
+            <a:avLst>
+              <a:gd name="adj1" fmla="val 17211"/>
+              <a:gd name="adj2" fmla="val -110300"/>
+            </a:avLst>
+          </a:prstGeom>
+          <a:noFill/>
+          <a:ln>
+            <a:solidFill>
+              <a:srgbClr val="FF0000"/>
+            </a:solidFill>
+          </a:ln>
+        </p:spPr>
+        <p:style>
+          <a:lnRef idx="2">
+            <a:schemeClr val="accent1">
+              <a:shade val="50000"/>
+            </a:schemeClr>
+          </a:lnRef>
+          <a:fillRef idx="1">
+            <a:schemeClr val="accent1"/>
+          </a:fillRef>
+          <a:effectRef idx="0">
+            <a:schemeClr val="accent1"/>
+          </a:effectRef>
+          <a:fontRef idx="minor">
+            <a:schemeClr val="lt1"/>
+          </a:fontRef>
+        </p:style>
+        <p:txBody>
+          <a:bodyPr rtlCol="0" anchor="ctr"/>
+          <a:lstStyle/>
+          <a:p>
+            <a:pPr algn="ctr"/>
+            <a:endParaRPr lang="es-CL" dirty="0"/>
+          </a:p>
+        </p:txBody>
+      </p:sp>
+      <p:sp>
+        <p:nvSpPr>
+          <p:cNvPr id="22" name="CuadroTexto 21"/>
+          <p:cNvSpPr txBox="1"/>
+          <p:nvPr/>
+        </p:nvSpPr>
+        <p:spPr>
+          <a:xfrm>
+            <a:off x="6340414" y="3097597"/>
+            <a:ext cx="2548968" cy="369332"/>
+          </a:xfrm>
+          <a:prstGeom prst="rect">
+            <a:avLst/>
+          </a:prstGeom>
+          <a:noFill/>
+          <a:ln>
+            <a:solidFill>
+              <a:srgbClr val="FF0000"/>
+            </a:solidFill>
+          </a:ln>
+        </p:spPr>
+        <p:txBody>
+          <a:bodyPr wrap="none" rtlCol="0">
+            <a:spAutoFit/>
+          </a:bodyPr>
+          <a:lstStyle/>
+          <a:p>
+            <a:r>
+              <a:rPr lang="es-ES" dirty="0" smtClean="0">
+                <a:solidFill>
+                  <a:schemeClr val="bg1"/>
+                </a:solidFill>
+              </a:rPr>
+              <a:t>Template Function to run</a:t>
+            </a:r>
+            <a:endParaRPr lang="es-CL" dirty="0">
+              <a:solidFill>
+                <a:schemeClr val="bg1"/>
+              </a:solidFill>
+            </a:endParaRPr>
+          </a:p>
+        </p:txBody>
+      </p:sp>
+      <p:sp>
+        <p:nvSpPr>
+          <p:cNvPr id="23" name="Llamada rectangular 22"/>
+          <p:cNvSpPr/>
+          <p:nvPr/>
+        </p:nvSpPr>
+        <p:spPr>
+          <a:xfrm rot="10800000">
+            <a:off x="7302500" y="2494892"/>
+            <a:ext cx="2419350" cy="349444"/>
+          </a:xfrm>
+          <a:prstGeom prst="wedgeRectCallout">
+            <a:avLst>
+              <a:gd name="adj1" fmla="val 36634"/>
+              <a:gd name="adj2" fmla="val -113934"/>
+            </a:avLst>
+          </a:prstGeom>
+          <a:noFill/>
+          <a:ln>
+            <a:solidFill>
+              <a:srgbClr val="FF0000"/>
+            </a:solidFill>
+          </a:ln>
+        </p:spPr>
+        <p:style>
+          <a:lnRef idx="2">
+            <a:schemeClr val="accent1">
+              <a:shade val="50000"/>
+            </a:schemeClr>
+          </a:lnRef>
+          <a:fillRef idx="1">
+            <a:schemeClr val="accent1"/>
+          </a:fillRef>
+          <a:effectRef idx="0">
+            <a:schemeClr val="accent1"/>
+          </a:effectRef>
+          <a:fontRef idx="minor">
+            <a:schemeClr val="lt1"/>
+          </a:fontRef>
+        </p:style>
+        <p:txBody>
+          <a:bodyPr rtlCol="0" anchor="ctr"/>
+          <a:lstStyle/>
+          <a:p>
+            <a:pPr algn="ctr"/>
+            <a:endParaRPr lang="es-CL" dirty="0"/>
+          </a:p>
+        </p:txBody>
+      </p:sp>
+      <p:sp>
+        <p:nvSpPr>
+          <p:cNvPr id="27" name="Llamada rectangular 26"/>
+          <p:cNvSpPr/>
+          <p:nvPr/>
+        </p:nvSpPr>
+        <p:spPr>
+          <a:xfrm rot="10800000">
+            <a:off x="9742349" y="2494892"/>
+            <a:ext cx="165716" cy="349444"/>
+          </a:xfrm>
+          <a:prstGeom prst="wedgeRectCallout">
+            <a:avLst>
+              <a:gd name="adj1" fmla="val -205037"/>
+              <a:gd name="adj2" fmla="val -121203"/>
+            </a:avLst>
+          </a:prstGeom>
+          <a:noFill/>
+          <a:ln>
+            <a:solidFill>
+              <a:srgbClr val="FF0000"/>
+            </a:solidFill>
+          </a:ln>
+        </p:spPr>
+        <p:style>
+          <a:lnRef idx="2">
+            <a:schemeClr val="accent1">
+              <a:shade val="50000"/>
+            </a:schemeClr>
+          </a:lnRef>
+          <a:fillRef idx="1">
+            <a:schemeClr val="accent1"/>
+          </a:fillRef>
+          <a:effectRef idx="0">
+            <a:schemeClr val="accent1"/>
+          </a:effectRef>
+          <a:fontRef idx="minor">
+            <a:schemeClr val="lt1"/>
+          </a:fontRef>
+        </p:style>
+        <p:txBody>
+          <a:bodyPr rtlCol="0" anchor="ctr"/>
+          <a:lstStyle/>
+          <a:p>
+            <a:pPr algn="ctr"/>
+            <a:endParaRPr lang="es-CL" dirty="0"/>
+          </a:p>
+        </p:txBody>
+      </p:sp>
+      <p:sp>
+        <p:nvSpPr>
+          <p:cNvPr id="28" name="CuadroTexto 27"/>
+          <p:cNvSpPr txBox="1"/>
+          <p:nvPr/>
+        </p:nvSpPr>
+        <p:spPr>
+          <a:xfrm>
+            <a:off x="9006494" y="3100898"/>
+            <a:ext cx="2285049" cy="369332"/>
+          </a:xfrm>
+          <a:prstGeom prst="rect">
+            <a:avLst/>
+          </a:prstGeom>
+          <a:noFill/>
+          <a:ln>
+            <a:solidFill>
+              <a:srgbClr val="FF0000"/>
+            </a:solidFill>
+          </a:ln>
+        </p:spPr>
+        <p:txBody>
+          <a:bodyPr wrap="none" rtlCol="0">
+            <a:spAutoFit/>
+          </a:bodyPr>
+          <a:lstStyle/>
+          <a:p>
+            <a:r>
+              <a:rPr lang="es-ES" dirty="0" smtClean="0">
+                <a:solidFill>
+                  <a:schemeClr val="bg1"/>
+                </a:solidFill>
+              </a:rPr>
+              <a:t>Declared Iteration End</a:t>
+            </a:r>
+            <a:endParaRPr lang="es-CL" dirty="0">
+              <a:solidFill>
+                <a:schemeClr val="bg1"/>
+              </a:solidFill>
+            </a:endParaRPr>
+          </a:p>
+        </p:txBody>
+      </p:sp>
+      <p:sp>
+        <p:nvSpPr>
+          <p:cNvPr id="31" name="CuadroTexto 30"/>
+          <p:cNvSpPr txBox="1"/>
+          <p:nvPr/>
+        </p:nvSpPr>
+        <p:spPr>
+          <a:xfrm>
+            <a:off x="304926" y="2220721"/>
+            <a:ext cx="1938800" cy="369332"/>
+          </a:xfrm>
+          <a:prstGeom prst="rect">
+            <a:avLst/>
+          </a:prstGeom>
+          <a:noFill/>
+          <a:ln>
+            <a:noFill/>
+          </a:ln>
+        </p:spPr>
+        <p:txBody>
+          <a:bodyPr wrap="none" rtlCol="0">
+            <a:spAutoFit/>
+          </a:bodyPr>
+          <a:lstStyle/>
+          <a:p>
+            <a:r>
+              <a:rPr lang="es-ES" dirty="0" smtClean="0">
+                <a:solidFill>
+                  <a:schemeClr val="bg2">
+                    <a:lumMod val="90000"/>
+                  </a:schemeClr>
+                </a:solidFill>
+              </a:rPr>
+              <a:t>Declared Iteration:</a:t>
+            </a:r>
+            <a:endParaRPr lang="es-CL" dirty="0">
+              <a:solidFill>
+                <a:schemeClr val="bg2">
+                  <a:lumMod val="90000"/>
+                </a:schemeClr>
+              </a:solidFill>
+            </a:endParaRPr>
+          </a:p>
+        </p:txBody>
+      </p:sp>
+      <p:sp>
+        <p:nvSpPr>
+          <p:cNvPr id="32" name="CuadroTexto 31"/>
+          <p:cNvSpPr txBox="1"/>
+          <p:nvPr/>
+        </p:nvSpPr>
+        <p:spPr>
+          <a:xfrm>
+            <a:off x="304926" y="3717740"/>
+            <a:ext cx="2045303" cy="369332"/>
+          </a:xfrm>
+          <a:prstGeom prst="rect">
+            <a:avLst/>
+          </a:prstGeom>
+          <a:noFill/>
+          <a:ln>
+            <a:noFill/>
+          </a:ln>
+        </p:spPr>
+        <p:txBody>
+          <a:bodyPr wrap="none" rtlCol="0">
+            <a:spAutoFit/>
+          </a:bodyPr>
+          <a:lstStyle/>
+          <a:p>
+            <a:r>
+              <a:rPr lang="es-ES" dirty="0" smtClean="0">
+                <a:solidFill>
+                  <a:schemeClr val="bg2">
+                    <a:lumMod val="90000"/>
+                  </a:schemeClr>
+                </a:solidFill>
+              </a:rPr>
+              <a:t>Iterated Expression:</a:t>
+            </a:r>
+            <a:endParaRPr lang="es-CL" dirty="0">
+              <a:solidFill>
+                <a:schemeClr val="bg2">
+                  <a:lumMod val="90000"/>
+                </a:schemeClr>
+              </a:solidFill>
+            </a:endParaRPr>
+          </a:p>
+        </p:txBody>
+      </p:sp>
+    </p:spTree>
+    <p:extLst>
+      <p:ext uri="{BB962C8B-B14F-4D97-AF65-F5344CB8AC3E}">
+        <p14:creationId xmlns:p14="http://schemas.microsoft.com/office/powerpoint/2010/main" val="3291640764"/>
+      </p:ext>
+    </p:extLst>
+  </p:cSld>
+  <p:clrMapOvr>
+    <a:masterClrMapping/>
+  </p:clrMapOvr>
+</p:sld>
+</file>
+
+<file path=ppt/slides/slide3.xml><?xml version="1.0" encoding="utf-8"?>
+<p:sld xmlns:a="http://schemas.openxmlformats.org/drawingml/2006/main" xmlns:r="http://schemas.openxmlformats.org/officeDocument/2006/relationships" xmlns:p="http://schemas.openxmlformats.org/presentationml/2006/main">
+  <p:cSld>
+    <p:spTree>
+      <p:nvGrpSpPr>
+        <p:cNvPr id="1" name=""/>
+        <p:cNvGrpSpPr/>
+        <p:nvPr/>
+      </p:nvGrpSpPr>
+      <p:grpSpPr>
+        <a:xfrm>
+          <a:off x="0" y="0"/>
+          <a:ext cx="0" cy="0"/>
+          <a:chOff x="0" y="0"/>
+          <a:chExt cx="0" cy="0"/>
+        </a:xfrm>
+      </p:grpSpPr>
+      <p:pic>
+        <p:nvPicPr>
+          <p:cNvPr id="4" name="Imagen 3"/>
+          <p:cNvPicPr>
+            <a:picLocks noChangeAspect="1"/>
+          </p:cNvPicPr>
+          <p:nvPr/>
+        </p:nvPicPr>
+        <p:blipFill>
+          <a:blip r:embed="rId2"/>
+          <a:stretch>
+            <a:fillRect/>
+          </a:stretch>
+        </p:blipFill>
+        <p:spPr>
+          <a:xfrm>
+            <a:off x="94877" y="786566"/>
+            <a:ext cx="12192000" cy="5249008"/>
+          </a:xfrm>
+          <a:prstGeom prst="rect">
+            <a:avLst/>
+          </a:prstGeom>
+        </p:spPr>
+      </p:pic>
+    </p:spTree>
+    <p:extLst>
+      <p:ext uri="{BB962C8B-B14F-4D97-AF65-F5344CB8AC3E}">
+        <p14:creationId xmlns:p14="http://schemas.microsoft.com/office/powerpoint/2010/main" val="600358704"/>
+      </p:ext>
+    </p:extLst>
+  </p:cSld>
+  <p:clrMapOvr>
+    <a:masterClrMapping/>
+  </p:clrMapOvr>
+</p:sld>
+</file>
+
 <file path=ppt/theme/theme1.xml><?xml version="1.0" encoding="utf-8"?>
 <a:theme xmlns:a="http://schemas.openxmlformats.org/drawingml/2006/main" name="Tema de Office">
   <a:themeElements>
